--- a/데이타 인 엔 아웃 - 피클.pptx
+++ b/데이타 인 엔 아웃 - 피클.pptx
@@ -10156,23 +10156,7 @@
                 <a:ea typeface="Arial Black" charset="0"/>
                 <a:cs typeface="Arial Black" charset="0"/>
               </a:rPr>
-              <a:t>Chapter </a:t>
-            </a:r>
-            <a:r>
-              <a:rPr lang="en-US" sz="2000" dirty="0" smtClean="0">
-                <a:latin typeface="Arial Black" charset="0"/>
-                <a:ea typeface="Arial Black" charset="0"/>
-                <a:cs typeface="Arial Black" charset="0"/>
-              </a:rPr>
-              <a:t>7 </a:t>
-            </a:r>
-            <a:r>
-              <a:rPr lang="en-US" sz="2000" dirty="0" smtClean="0">
-                <a:latin typeface="Arial Black" charset="0"/>
-                <a:ea typeface="Arial Black" charset="0"/>
-                <a:cs typeface="Arial Black" charset="0"/>
-              </a:rPr>
-              <a:t>of </a:t>
+              <a:t>Chapter 7 of </a:t>
             </a:r>
             <a:r>
               <a:rPr lang="en-US" sz="2000" dirty="0">
@@ -10238,6 +10222,12 @@
               </a:rPr>
               <a:t>Code</a:t>
             </a:r>
+            <a:endParaRPr lang="en-US" sz="2000" dirty="0" smtClean="0">
+              <a:latin typeface="Arial Black" charset="0"/>
+              <a:ea typeface="Arial Black" charset="0"/>
+              <a:cs typeface="Arial Black" charset="0"/>
+              <a:hlinkClick r:id="rId5"/>
+            </a:endParaRPr>
           </a:p>
         </p:txBody>
       </p:sp>
@@ -10250,7 +10240,7 @@
           <p:nvPr/>
         </p:nvPicPr>
         <p:blipFill>
-          <a:blip r:embed="rId5">
+          <a:blip r:embed="rId6">
             <a:extLst>
               <a:ext uri="{28A0092B-C50C-407E-A947-70E740481C1C}">
                 <a14:useLocalDpi xmlns:a14="http://schemas.microsoft.com/office/drawing/2010/main" val="0"/>
